--- a/target/classes/models/CertificateNR18.pptx
+++ b/target/classes/models/CertificateNR18.pptx
@@ -7792,19 +7792,25 @@
               <a:rPr lang="pt-BR" altLang="pt-BR" dirty="0">
                 <a:latin typeface="Arial" panose="020B0604020202020204" pitchFamily="34" charset="0"/>
               </a:rPr>
-              <a:t>portador do RG nº </a:t>
-            </a:r>
-            <a:r>
-              <a:rPr lang="pt-BR" altLang="pt-BR" dirty="0" smtClean="0">
+              <a:t>portador </a:t>
+            </a:r>
+            <a:r>
+              <a:rPr lang="pt-BR" altLang="pt-BR">
                 <a:latin typeface="Arial" panose="020B0604020202020204" pitchFamily="34" charset="0"/>
               </a:rPr>
-              <a:t>{{RG}} </a:t>
+              <a:t>do </a:t>
+            </a:r>
+            <a:r>
+              <a:rPr lang="pt-BR" altLang="pt-BR" smtClean="0">
+                <a:latin typeface="Arial" panose="020B0604020202020204" pitchFamily="34" charset="0"/>
+              </a:rPr>
+              <a:t>CPF </a:t>
             </a:r>
             <a:r>
               <a:rPr lang="pt-BR" altLang="pt-BR" dirty="0">
                 <a:latin typeface="Arial" panose="020B0604020202020204" pitchFamily="34" charset="0"/>
               </a:rPr>
-              <a:t>e CPF nº </a:t>
+              <a:t>nº </a:t>
             </a:r>
             <a:r>
               <a:rPr lang="pt-BR" altLang="pt-BR" dirty="0" smtClean="0">
@@ -7827,24 +7833,7 @@
                 <a:ea typeface="+mn-ea"/>
                 <a:cs typeface="+mn-cs"/>
               </a:rPr>
-              <a:t>, </a:t>
-            </a:r>
-            <a:r>
-              <a:rPr kumimoji="0" lang="pt-BR" altLang="pt-BR" sz="1800" b="0" i="0" u="none" strike="noStrike" kern="1200" cap="none" spc="0" normalizeH="0" baseline="0" noProof="0" dirty="0" smtClean="0">
-                <a:ln>
-                  <a:noFill/>
-                </a:ln>
-                <a:solidFill>
-                  <a:prstClr val="black"/>
-                </a:solidFill>
-                <a:effectLst/>
-                <a:uLnTx/>
-                <a:uFillTx/>
-                <a:latin typeface="Arial" panose="020B0604020202020204" pitchFamily="34" charset="0"/>
-                <a:ea typeface="+mn-ea"/>
-                <a:cs typeface="+mn-cs"/>
-              </a:rPr>
-              <a:t>concluiu com aproveitamento o curso da </a:t>
+              <a:t>, concluiu com aproveitamento o curso da </a:t>
             </a:r>
             <a:r>
               <a:rPr kumimoji="0" lang="pt-BR" altLang="pt-BR" sz="1800" b="1" i="0" u="none" strike="noStrike" kern="1200" cap="none" spc="0" normalizeH="0" baseline="0" noProof="0" dirty="0" smtClean="0">
@@ -7926,16 +7915,10 @@
               <a:rPr lang="pt-BR" altLang="pt-BR" sz="1400" dirty="0">
                 <a:latin typeface="Arial" panose="020B0604020202020204" pitchFamily="34" charset="0"/>
               </a:rPr>
-              <a:t>São Carlos</a:t>
-            </a:r>
-            <a:r>
-              <a:rPr lang="pt-BR" altLang="pt-BR" sz="1400">
-                <a:latin typeface="Arial" panose="020B0604020202020204" pitchFamily="34" charset="0"/>
-              </a:rPr>
-              <a:t>, </a:t>
-            </a:r>
-            <a:r>
-              <a:rPr lang="pt-BR" altLang="pt-BR" sz="1400" smtClean="0">
+              <a:t>São Carlos, </a:t>
+            </a:r>
+            <a:r>
+              <a:rPr lang="pt-BR" altLang="pt-BR" sz="1400" dirty="0" smtClean="0">
                 <a:latin typeface="Arial" panose="020B0604020202020204" pitchFamily="34" charset="0"/>
               </a:rPr>
               <a:t>{{DATA}}</a:t>
